--- a/hands-on/BioJS_short_Intro.pptx
+++ b/hands-on/BioJS_short_Intro.pptx
@@ -5,10 +5,10 @@
     <p:sldMasterId id="2147483776" r:id="rId1"/>
   </p:sldMasterIdLst>
   <p:notesMasterIdLst>
-    <p:notesMasterId r:id="rId13"/>
+    <p:notesMasterId r:id="rId14"/>
   </p:notesMasterIdLst>
   <p:handoutMasterIdLst>
-    <p:handoutMasterId r:id="rId14"/>
+    <p:handoutMasterId r:id="rId15"/>
   </p:handoutMasterIdLst>
   <p:sldIdLst>
     <p:sldId id="559" r:id="rId2"/>
@@ -21,7 +21,8 @@
     <p:sldId id="681" r:id="rId9"/>
     <p:sldId id="686" r:id="rId10"/>
     <p:sldId id="679" r:id="rId11"/>
-    <p:sldId id="604" r:id="rId12"/>
+    <p:sldId id="687" r:id="rId12"/>
+    <p:sldId id="604" r:id="rId13"/>
   </p:sldIdLst>
   <p:sldSz cx="9144000" cy="6858000" type="screen4x3"/>
   <p:notesSz cx="6797675" cy="9928225"/>
@@ -578,7 +579,7 @@
           </a:ln>
           <a:extLst>
             <a:ext uri="{909E8E84-426E-40dd-AFC4-6F175D3DCCD1}">
-              <a14:hiddenFill xmlns:a14="http://schemas.microsoft.com/office/drawing/2010/main" xmlns="">
+              <a14:hiddenFill xmlns="" xmlns:a14="http://schemas.microsoft.com/office/drawing/2010/main">
                 <a:solidFill>
                   <a:srgbClr val="FFFFFF"/>
                 </a:solidFill>
@@ -955,14 +956,14 @@
           </a:ln>
           <a:extLst>
             <a:ext uri="{909E8E84-426E-40dd-AFC4-6F175D3DCCD1}">
-              <a14:hiddenFill xmlns:a14="http://schemas.microsoft.com/office/drawing/2010/main" xmlns="">
+              <a14:hiddenFill xmlns="" xmlns:a14="http://schemas.microsoft.com/office/drawing/2010/main">
                 <a:solidFill>
                   <a:srgbClr val="FFFFFF"/>
                 </a:solidFill>
               </a14:hiddenFill>
             </a:ext>
             <a:ext uri="{91240B29-F687-4f45-9708-019B960494DF}">
-              <a14:hiddenLine xmlns:a14="http://schemas.microsoft.com/office/drawing/2010/main" xmlns="" w="9525">
+              <a14:hiddenLine xmlns="" xmlns:a14="http://schemas.microsoft.com/office/drawing/2010/main" w="9525">
                 <a:solidFill>
                   <a:srgbClr val="000000"/>
                 </a:solidFill>
@@ -1009,14 +1010,14 @@
           </a:ln>
           <a:extLst>
             <a:ext uri="{909E8E84-426E-40dd-AFC4-6F175D3DCCD1}">
-              <a14:hiddenFill xmlns:a14="http://schemas.microsoft.com/office/drawing/2010/main" xmlns="">
+              <a14:hiddenFill xmlns="" xmlns:a14="http://schemas.microsoft.com/office/drawing/2010/main">
                 <a:solidFill>
                   <a:srgbClr val="FFFFFF"/>
                 </a:solidFill>
               </a14:hiddenFill>
             </a:ext>
             <a:ext uri="{91240B29-F687-4f45-9708-019B960494DF}">
-              <a14:hiddenLine xmlns:a14="http://schemas.microsoft.com/office/drawing/2010/main" xmlns="" w="9525">
+              <a14:hiddenLine xmlns="" xmlns:a14="http://schemas.microsoft.com/office/drawing/2010/main" w="9525">
                 <a:solidFill>
                   <a:srgbClr val="000000"/>
                 </a:solidFill>
@@ -1310,7 +1311,7 @@
               <a:pPr>
                 <a:defRPr/>
               </a:pPr>
-              <a:t>26.11.2015</a:t>
+              <a:t>02.12.2015</a:t>
             </a:fld>
             <a:endParaRPr lang="de-DE" dirty="0"/>
           </a:p>
@@ -1427,14 +1428,14 @@
           </a:ln>
           <a:extLst>
             <a:ext uri="{909E8E84-426E-40dd-AFC4-6F175D3DCCD1}">
-              <a14:hiddenFill xmlns:a14="http://schemas.microsoft.com/office/drawing/2010/main" xmlns="">
+              <a14:hiddenFill xmlns="" xmlns:a14="http://schemas.microsoft.com/office/drawing/2010/main">
                 <a:solidFill>
                   <a:srgbClr val="FFFFFF"/>
                 </a:solidFill>
               </a14:hiddenFill>
             </a:ext>
             <a:ext uri="{91240B29-F687-4f45-9708-019B960494DF}">
-              <a14:hiddenLine xmlns:a14="http://schemas.microsoft.com/office/drawing/2010/main" xmlns="" w="9525">
+              <a14:hiddenLine xmlns="" xmlns:a14="http://schemas.microsoft.com/office/drawing/2010/main" w="9525">
                 <a:solidFill>
                   <a:srgbClr val="000000"/>
                 </a:solidFill>
@@ -1486,14 +1487,14 @@
           </a:ln>
           <a:extLst>
             <a:ext uri="{909E8E84-426E-40dd-AFC4-6F175D3DCCD1}">
-              <a14:hiddenFill xmlns:a14="http://schemas.microsoft.com/office/drawing/2010/main" xmlns="">
+              <a14:hiddenFill xmlns="" xmlns:a14="http://schemas.microsoft.com/office/drawing/2010/main">
                 <a:solidFill>
                   <a:srgbClr val="FFFFFF"/>
                 </a:solidFill>
               </a14:hiddenFill>
             </a:ext>
             <a:ext uri="{91240B29-F687-4f45-9708-019B960494DF}">
-              <a14:hiddenLine xmlns:a14="http://schemas.microsoft.com/office/drawing/2010/main" xmlns="" w="9525">
+              <a14:hiddenLine xmlns="" xmlns:a14="http://schemas.microsoft.com/office/drawing/2010/main" w="9525">
                 <a:solidFill>
                   <a:srgbClr val="000000"/>
                 </a:solidFill>
@@ -1571,14 +1572,14 @@
           </a:ln>
           <a:extLst>
             <a:ext uri="{909E8E84-426E-40dd-AFC4-6F175D3DCCD1}">
-              <a14:hiddenFill xmlns:a14="http://schemas.microsoft.com/office/drawing/2010/main" xmlns="">
+              <a14:hiddenFill xmlns="" xmlns:a14="http://schemas.microsoft.com/office/drawing/2010/main">
                 <a:solidFill>
                   <a:srgbClr val="FFFFFF"/>
                 </a:solidFill>
               </a14:hiddenFill>
             </a:ext>
             <a:ext uri="{91240B29-F687-4f45-9708-019B960494DF}">
-              <a14:hiddenLine xmlns:a14="http://schemas.microsoft.com/office/drawing/2010/main" xmlns="" w="9525">
+              <a14:hiddenLine xmlns="" xmlns:a14="http://schemas.microsoft.com/office/drawing/2010/main" w="9525">
                 <a:solidFill>
                   <a:srgbClr val="000000"/>
                 </a:solidFill>
@@ -2977,7 +2978,7 @@
               <a:pPr>
                 <a:defRPr/>
               </a:pPr>
-              <a:t>26.11.2015</a:t>
+              <a:t>02.12.2015</a:t>
             </a:fld>
             <a:endParaRPr lang="de-DE" dirty="0"/>
           </a:p>
@@ -3569,6 +3570,957 @@
       </p:grpSpPr>
       <p:sp>
         <p:nvSpPr>
+          <p:cNvPr id="2" name="Title 1"/>
+          <p:cNvSpPr>
+            <a:spLocks noGrp="1"/>
+          </p:cNvSpPr>
+          <p:nvPr>
+            <p:ph type="title"/>
+          </p:nvPr>
+        </p:nvSpPr>
+        <p:spPr/>
+        <p:txBody>
+          <a:bodyPr/>
+          <a:lstStyle/>
+          <a:p>
+            <a:pPr algn="l"/>
+            <a:r>
+              <a:rPr lang="en-GB" dirty="0" smtClean="0"/>
+              <a:t>Image credits</a:t>
+            </a:r>
+            <a:endParaRPr lang="en-GB" dirty="0"/>
+          </a:p>
+        </p:txBody>
+      </p:sp>
+      <p:sp>
+        <p:nvSpPr>
+          <p:cNvPr id="3" name="Content Placeholder 2"/>
+          <p:cNvSpPr>
+            <a:spLocks noGrp="1"/>
+          </p:cNvSpPr>
+          <p:nvPr>
+            <p:ph idx="1"/>
+          </p:nvPr>
+        </p:nvSpPr>
+        <p:spPr/>
+        <p:txBody>
+          <a:bodyPr/>
+          <a:lstStyle/>
+          <a:p>
+            <a:r>
+              <a:rPr lang="en-GB" sz="1400" dirty="0" err="1" smtClean="0"/>
+              <a:t>LittleBits</a:t>
+            </a:r>
+            <a:r>
+              <a:rPr lang="en-GB" sz="1400" dirty="0"/>
+              <a:t> - http://uk.pcmag.com/toys-products/37593/news/littlebits-serves-up-diy-smart-home-kit</a:t>
+            </a:r>
+          </a:p>
+          <a:p>
+            <a:r>
+              <a:rPr lang="en-GB" sz="1400" dirty="0" smtClean="0"/>
+              <a:t>Calendar </a:t>
+            </a:r>
+            <a:r>
+              <a:rPr lang="en-GB" sz="1400" dirty="0"/>
+              <a:t>- http://squashbarbados.org/tournaments/calendar</a:t>
+            </a:r>
+            <a:r>
+              <a:rPr lang="en-GB" sz="1400" dirty="0" smtClean="0"/>
+              <a:t>/</a:t>
+            </a:r>
+          </a:p>
+          <a:p>
+            <a:r>
+              <a:rPr lang="en-GB" sz="1400" dirty="0" smtClean="0"/>
+              <a:t> </a:t>
+            </a:r>
+            <a:r>
+              <a:rPr lang="en-GB" sz="1400" dirty="0"/>
+              <a:t>People avatar - http://</a:t>
+            </a:r>
+            <a:r>
+              <a:rPr lang="en-GB" sz="1400" dirty="0" smtClean="0"/>
+              <a:t>images.clipartpanda.com/headway-clipart-ABstract-People-Clip-Art.png</a:t>
+            </a:r>
+          </a:p>
+          <a:p>
+            <a:r>
+              <a:rPr lang="en-GB" sz="1400" dirty="0" smtClean="0"/>
+              <a:t>Where? </a:t>
+            </a:r>
+            <a:r>
+              <a:rPr lang="en-GB" sz="1400" dirty="0"/>
+              <a:t>- http://www.clipartpanda.com/categories/university-student-clipart</a:t>
+            </a:r>
+          </a:p>
+          <a:p>
+            <a:r>
+              <a:rPr lang="en-GB" sz="1400" dirty="0" smtClean="0"/>
+              <a:t>Person </a:t>
+            </a:r>
+            <a:r>
+              <a:rPr lang="en-GB" sz="1400" dirty="0"/>
+              <a:t>at computer - http://</a:t>
+            </a:r>
+            <a:r>
+              <a:rPr lang="en-GB" sz="1400" dirty="0" smtClean="0"/>
+              <a:t>cliparts.co/clipart/2436481</a:t>
+            </a:r>
+          </a:p>
+          <a:p>
+            <a:r>
+              <a:rPr lang="en-GB" sz="1400" dirty="0" smtClean="0"/>
+              <a:t>Download </a:t>
+            </a:r>
+            <a:r>
+              <a:rPr lang="en-GB" sz="1400" dirty="0"/>
+              <a:t>- http://www.veryicon.com/icons/application/toolbar-icons-6/download.html</a:t>
+            </a:r>
+            <a:endParaRPr lang="en-GB" sz="1400" dirty="0" smtClean="0"/>
+          </a:p>
+          <a:p>
+            <a:r>
+              <a:rPr lang="en-GB" sz="1400" dirty="0"/>
+              <a:t>Settings - https://</a:t>
+            </a:r>
+            <a:r>
+              <a:rPr lang="en-GB" sz="1400" dirty="0" smtClean="0"/>
+              <a:t>fpimage.cdnpk.net/free-icon/settings-gears_318-76225.png</a:t>
+            </a:r>
+          </a:p>
+          <a:p>
+            <a:r>
+              <a:rPr lang="en-GB" sz="1400" dirty="0"/>
+              <a:t>Documentation - http://hubpages.com/business/When-You-Are-Bullied-At-Work</a:t>
+            </a:r>
+            <a:endParaRPr lang="en-GB" sz="1400" dirty="0" smtClean="0"/>
+          </a:p>
+          <a:p>
+            <a:r>
+              <a:rPr lang="en-GB" sz="1400" dirty="0"/>
+              <a:t>Modules - http://</a:t>
+            </a:r>
+            <a:r>
+              <a:rPr lang="en-GB" sz="1400" dirty="0" smtClean="0"/>
+              <a:t>static1.formtools.org/site/images/modules_icon.gif</a:t>
+            </a:r>
+          </a:p>
+          <a:p>
+            <a:r>
+              <a:rPr lang="en-GB" sz="1400" dirty="0"/>
+              <a:t>Test - http://</a:t>
+            </a:r>
+            <a:r>
+              <a:rPr lang="en-GB" sz="1400" dirty="0" smtClean="0"/>
+              <a:t>xiostorage.com/wp-content/uploads/2015/10/test.png</a:t>
+            </a:r>
+          </a:p>
+          <a:p>
+            <a:r>
+              <a:rPr lang="en-GB" sz="1400" dirty="0" smtClean="0"/>
+              <a:t>Man </a:t>
+            </a:r>
+            <a:r>
+              <a:rPr lang="en-GB" sz="1400" dirty="0"/>
+              <a:t>with tool - http://</a:t>
+            </a:r>
+            <a:r>
+              <a:rPr lang="en-GB" sz="1400" dirty="0" smtClean="0"/>
+              <a:t>www.webknitindia.co.in/software-maintenance.aspx</a:t>
+            </a:r>
+          </a:p>
+          <a:p>
+            <a:r>
+              <a:rPr lang="en-GB" sz="1400" dirty="0"/>
+              <a:t>API robot - https://serpstat.com/site/api</a:t>
+            </a:r>
+          </a:p>
+          <a:p>
+            <a:r>
+              <a:rPr lang="en-GB" sz="1400" dirty="0" smtClean="0"/>
+              <a:t>Your/their </a:t>
+            </a:r>
+            <a:r>
+              <a:rPr lang="en-GB" sz="1400" dirty="0"/>
+              <a:t>app - https://moz.com/blog/apis-for-datadriven-marketers</a:t>
+            </a:r>
+            <a:endParaRPr lang="en-GB" sz="1400" dirty="0" smtClean="0"/>
+          </a:p>
+          <a:p>
+            <a:r>
+              <a:rPr lang="en-GB" sz="1400" dirty="0" smtClean="0"/>
+              <a:t>Broadcast </a:t>
+            </a:r>
+            <a:r>
+              <a:rPr lang="en-GB" sz="1400" dirty="0"/>
+              <a:t>- http://www.equisys.com/solutions/broadcast_faxing.html</a:t>
+            </a:r>
+            <a:endParaRPr lang="en-GB" sz="1400" dirty="0" smtClean="0"/>
+          </a:p>
+          <a:p>
+            <a:r>
+              <a:rPr lang="en-GB" sz="1400" dirty="0" smtClean="0"/>
+              <a:t>Listen </a:t>
+            </a:r>
+            <a:r>
+              <a:rPr lang="en-GB" sz="1400" dirty="0"/>
+              <a:t>- http://www.clipartpanda.com/clipart_images/which-customers-to-listen-to-49175400</a:t>
+            </a:r>
+            <a:endParaRPr lang="en-GB" sz="1400" dirty="0" smtClean="0"/>
+          </a:p>
+          <a:p>
+            <a:r>
+              <a:rPr lang="en-GB" sz="1400" dirty="0" smtClean="0"/>
+              <a:t>Icons and logos from </a:t>
+            </a:r>
+            <a:r>
+              <a:rPr lang="en-GB" sz="1400" dirty="0" err="1" smtClean="0"/>
+              <a:t>BioJS</a:t>
+            </a:r>
+            <a:r>
+              <a:rPr lang="en-GB" sz="1400" dirty="0" smtClean="0"/>
+              <a:t>, </a:t>
+            </a:r>
+            <a:r>
+              <a:rPr lang="en-GB" sz="1400" dirty="0" err="1" smtClean="0"/>
+              <a:t>Github</a:t>
+            </a:r>
+            <a:r>
+              <a:rPr lang="en-GB" sz="1400" dirty="0" smtClean="0"/>
+              <a:t>, NPM, </a:t>
+            </a:r>
+            <a:r>
+              <a:rPr lang="en-GB" sz="1400" dirty="0" err="1" smtClean="0"/>
+              <a:t>Browserify</a:t>
+            </a:r>
+            <a:r>
+              <a:rPr lang="en-GB" sz="1400" dirty="0" smtClean="0"/>
+              <a:t>, Gulp, Grunt, jQuery, D3, Mocha, Phantom, React, </a:t>
+            </a:r>
+            <a:r>
+              <a:rPr lang="en-GB" sz="1400" dirty="0" err="1" smtClean="0"/>
+              <a:t>CommonJS</a:t>
+            </a:r>
+            <a:endParaRPr lang="en-GB" sz="1400" dirty="0"/>
+          </a:p>
+        </p:txBody>
+      </p:sp>
+      <p:sp>
+        <p:nvSpPr>
+          <p:cNvPr id="4" name="Date Placeholder 3"/>
+          <p:cNvSpPr>
+            <a:spLocks noGrp="1"/>
+          </p:cNvSpPr>
+          <p:nvPr>
+            <p:ph type="dt" sz="half" idx="10"/>
+          </p:nvPr>
+        </p:nvSpPr>
+        <p:spPr/>
+        <p:txBody>
+          <a:bodyPr/>
+          <a:lstStyle/>
+          <a:p>
+            <a:pPr>
+              <a:defRPr/>
+            </a:pPr>
+            <a:fld id="{0D3F1B4F-FFD5-434A-9FAD-975DD2A303B5}" type="datetime1">
+              <a:rPr lang="de-DE" smtClean="0"/>
+              <a:pPr>
+                <a:defRPr/>
+              </a:pPr>
+              <a:t>02.12.2015</a:t>
+            </a:fld>
+            <a:endParaRPr lang="de-DE" dirty="0"/>
+          </a:p>
+        </p:txBody>
+      </p:sp>
+      <p:sp>
+        <p:nvSpPr>
+          <p:cNvPr id="5" name="Slide Number Placeholder 4"/>
+          <p:cNvSpPr>
+            <a:spLocks noGrp="1"/>
+          </p:cNvSpPr>
+          <p:nvPr>
+            <p:ph type="sldNum" sz="quarter" idx="11"/>
+          </p:nvPr>
+        </p:nvSpPr>
+        <p:spPr/>
+        <p:txBody>
+          <a:bodyPr/>
+          <a:lstStyle/>
+          <a:p>
+            <a:pPr>
+              <a:defRPr/>
+            </a:pPr>
+            <a:fld id="{EC684756-D801-4A75-BE6B-355075C22EAC}" type="slidenum">
+              <a:rPr lang="de-DE" smtClean="0"/>
+              <a:pPr>
+                <a:defRPr/>
+              </a:pPr>
+              <a:t>11</a:t>
+            </a:fld>
+            <a:endParaRPr lang="de-DE" dirty="0"/>
+          </a:p>
+        </p:txBody>
+      </p:sp>
+      <p:pic>
+        <p:nvPicPr>
+          <p:cNvPr id="6" name="Picture 2" descr="http://images.clipartpanda.com/headway-clipart-ABstract-People-Clip-Art.png"/>
+          <p:cNvPicPr>
+            <a:picLocks noChangeAspect="1" noChangeArrowheads="1"/>
+          </p:cNvPicPr>
+          <p:nvPr/>
+        </p:nvPicPr>
+        <p:blipFill>
+          <a:blip r:embed="rId3">
+            <a:extLst>
+              <a:ext uri="{28A0092B-C50C-407E-A947-70E740481C1C}">
+                <a14:useLocalDpi xmlns:a14="http://schemas.microsoft.com/office/drawing/2010/main" val="0"/>
+              </a:ext>
+            </a:extLst>
+          </a:blip>
+          <a:srcRect/>
+          <a:stretch>
+            <a:fillRect/>
+          </a:stretch>
+        </p:blipFill>
+        <p:spPr bwMode="auto">
+          <a:xfrm>
+            <a:off x="152400" y="1701669"/>
+            <a:ext cx="288032" cy="288032"/>
+          </a:xfrm>
+          <a:prstGeom prst="rect">
+            <a:avLst/>
+          </a:prstGeom>
+          <a:noFill/>
+          <a:extLst>
+            <a:ext uri="{909E8E84-426E-40DD-AFC4-6F175D3DCCD1}">
+              <a14:hiddenFill xmlns:a14="http://schemas.microsoft.com/office/drawing/2010/main">
+                <a:solidFill>
+                  <a:srgbClr val="FFFFFF"/>
+                </a:solidFill>
+              </a14:hiddenFill>
+            </a:ext>
+          </a:extLst>
+        </p:spPr>
+      </p:pic>
+      <p:pic>
+        <p:nvPicPr>
+          <p:cNvPr id="7" name="Picture 4" descr="http://www.theemailadmin.com/wp-content/uploads/2013/01/GFI264-Calendar-300x300.jpg"/>
+          <p:cNvPicPr>
+            <a:picLocks noChangeAspect="1" noChangeArrowheads="1"/>
+          </p:cNvPicPr>
+          <p:nvPr/>
+        </p:nvPicPr>
+        <p:blipFill>
+          <a:blip r:embed="rId4">
+            <a:extLst>
+              <a:ext uri="{28A0092B-C50C-407E-A947-70E740481C1C}">
+                <a14:useLocalDpi xmlns:a14="http://schemas.microsoft.com/office/drawing/2010/main" val="0"/>
+              </a:ext>
+            </a:extLst>
+          </a:blip>
+          <a:srcRect/>
+          <a:stretch>
+            <a:fillRect/>
+          </a:stretch>
+        </p:blipFill>
+        <p:spPr bwMode="auto">
+          <a:xfrm>
+            <a:off x="283559" y="1484784"/>
+            <a:ext cx="198375" cy="198375"/>
+          </a:xfrm>
+          <a:prstGeom prst="rect">
+            <a:avLst/>
+          </a:prstGeom>
+          <a:noFill/>
+          <a:extLst>
+            <a:ext uri="{909E8E84-426E-40DD-AFC4-6F175D3DCCD1}">
+              <a14:hiddenFill xmlns:a14="http://schemas.microsoft.com/office/drawing/2010/main">
+                <a:solidFill>
+                  <a:srgbClr val="FFFFFF"/>
+                </a:solidFill>
+              </a14:hiddenFill>
+            </a:ext>
+          </a:extLst>
+        </p:spPr>
+      </p:pic>
+      <p:pic>
+        <p:nvPicPr>
+          <p:cNvPr id="8194" name="Picture 2" descr="http://images.clipartpanda.com/future-clipart-Life-Choices-Clip-Art.jpg"/>
+          <p:cNvPicPr>
+            <a:picLocks noChangeAspect="1" noChangeArrowheads="1"/>
+          </p:cNvPicPr>
+          <p:nvPr/>
+        </p:nvPicPr>
+        <p:blipFill>
+          <a:blip r:embed="rId5">
+            <a:extLst>
+              <a:ext uri="{28A0092B-C50C-407E-A947-70E740481C1C}">
+                <a14:useLocalDpi xmlns:a14="http://schemas.microsoft.com/office/drawing/2010/main" val="0"/>
+              </a:ext>
+            </a:extLst>
+          </a:blip>
+          <a:srcRect/>
+          <a:stretch>
+            <a:fillRect/>
+          </a:stretch>
+        </p:blipFill>
+        <p:spPr bwMode="auto">
+          <a:xfrm>
+            <a:off x="151635" y="1989701"/>
+            <a:ext cx="236095" cy="188562"/>
+          </a:xfrm>
+          <a:prstGeom prst="rect">
+            <a:avLst/>
+          </a:prstGeom>
+          <a:noFill/>
+          <a:extLst>
+            <a:ext uri="{909E8E84-426E-40DD-AFC4-6F175D3DCCD1}">
+              <a14:hiddenFill xmlns:a14="http://schemas.microsoft.com/office/drawing/2010/main">
+                <a:solidFill>
+                  <a:srgbClr val="FFFFFF"/>
+                </a:solidFill>
+              </a14:hiddenFill>
+            </a:ext>
+          </a:extLst>
+        </p:spPr>
+      </p:pic>
+      <p:pic>
+        <p:nvPicPr>
+          <p:cNvPr id="8196" name="Picture 4" descr="Lan Party Pictogram clip art - Download free Other vectors"/>
+          <p:cNvPicPr>
+            <a:picLocks noChangeAspect="1" noChangeArrowheads="1"/>
+          </p:cNvPicPr>
+          <p:nvPr/>
+        </p:nvPicPr>
+        <p:blipFill>
+          <a:blip r:embed="rId6">
+            <a:extLst>
+              <a:ext uri="{28A0092B-C50C-407E-A947-70E740481C1C}">
+                <a14:useLocalDpi xmlns:a14="http://schemas.microsoft.com/office/drawing/2010/main" val="0"/>
+              </a:ext>
+            </a:extLst>
+          </a:blip>
+          <a:srcRect/>
+          <a:stretch>
+            <a:fillRect/>
+          </a:stretch>
+        </p:blipFill>
+        <p:spPr bwMode="auto">
+          <a:xfrm>
+            <a:off x="261219" y="2243070"/>
+            <a:ext cx="205989" cy="205989"/>
+          </a:xfrm>
+          <a:prstGeom prst="rect">
+            <a:avLst/>
+          </a:prstGeom>
+          <a:noFill/>
+          <a:extLst>
+            <a:ext uri="{909E8E84-426E-40DD-AFC4-6F175D3DCCD1}">
+              <a14:hiddenFill xmlns:a14="http://schemas.microsoft.com/office/drawing/2010/main">
+                <a:solidFill>
+                  <a:srgbClr val="FFFFFF"/>
+                </a:solidFill>
+              </a14:hiddenFill>
+            </a:ext>
+          </a:extLst>
+        </p:spPr>
+      </p:pic>
+      <p:pic>
+        <p:nvPicPr>
+          <p:cNvPr id="8198" name="Picture 6" descr="https://encrypted-tbn0.gstatic.com/images?q=tbn:ANd9GcSuZaPsKPx3ZMyLMJvC2TJIAyahajsKsHHb3dlXQzd48-bKyKNVCg"/>
+          <p:cNvPicPr>
+            <a:picLocks noChangeAspect="1" noChangeArrowheads="1"/>
+          </p:cNvPicPr>
+          <p:nvPr/>
+        </p:nvPicPr>
+        <p:blipFill>
+          <a:blip r:embed="rId7">
+            <a:extLst>
+              <a:ext uri="{28A0092B-C50C-407E-A947-70E740481C1C}">
+                <a14:useLocalDpi xmlns:a14="http://schemas.microsoft.com/office/drawing/2010/main" val="0"/>
+              </a:ext>
+            </a:extLst>
+          </a:blip>
+          <a:srcRect/>
+          <a:stretch>
+            <a:fillRect/>
+          </a:stretch>
+        </p:blipFill>
+        <p:spPr bwMode="auto">
+          <a:xfrm>
+            <a:off x="96246" y="2457063"/>
+            <a:ext cx="198477" cy="198477"/>
+          </a:xfrm>
+          <a:prstGeom prst="rect">
+            <a:avLst/>
+          </a:prstGeom>
+          <a:noFill/>
+          <a:extLst>
+            <a:ext uri="{909E8E84-426E-40DD-AFC4-6F175D3DCCD1}">
+              <a14:hiddenFill xmlns:a14="http://schemas.microsoft.com/office/drawing/2010/main">
+                <a:solidFill>
+                  <a:srgbClr val="FFFFFF"/>
+                </a:solidFill>
+              </a14:hiddenFill>
+            </a:ext>
+          </a:extLst>
+        </p:spPr>
+      </p:pic>
+      <p:pic>
+        <p:nvPicPr>
+          <p:cNvPr id="8200" name="Picture 8" descr="https://fpimage.cdnpk.net/free-icon/settings-gears_318-76225.png"/>
+          <p:cNvPicPr>
+            <a:picLocks noChangeAspect="1" noChangeArrowheads="1"/>
+          </p:cNvPicPr>
+          <p:nvPr/>
+        </p:nvPicPr>
+        <p:blipFill>
+          <a:blip r:embed="rId8">
+            <a:extLst>
+              <a:ext uri="{28A0092B-C50C-407E-A947-70E740481C1C}">
+                <a14:useLocalDpi xmlns:a14="http://schemas.microsoft.com/office/drawing/2010/main" val="0"/>
+              </a:ext>
+            </a:extLst>
+          </a:blip>
+          <a:srcRect/>
+          <a:stretch>
+            <a:fillRect/>
+          </a:stretch>
+        </p:blipFill>
+        <p:spPr bwMode="auto">
+          <a:xfrm>
+            <a:off x="300986" y="2720950"/>
+            <a:ext cx="160967" cy="160967"/>
+          </a:xfrm>
+          <a:prstGeom prst="rect">
+            <a:avLst/>
+          </a:prstGeom>
+          <a:noFill/>
+          <a:extLst>
+            <a:ext uri="{909E8E84-426E-40DD-AFC4-6F175D3DCCD1}">
+              <a14:hiddenFill xmlns:a14="http://schemas.microsoft.com/office/drawing/2010/main">
+                <a:solidFill>
+                  <a:srgbClr val="FFFFFF"/>
+                </a:solidFill>
+              </a14:hiddenFill>
+            </a:ext>
+          </a:extLst>
+        </p:spPr>
+      </p:pic>
+      <p:pic>
+        <p:nvPicPr>
+          <p:cNvPr id="8202" name="Picture 10" descr="http://usercontent1.hubimg.com/7002808_f248.jpg"/>
+          <p:cNvPicPr>
+            <a:picLocks noChangeAspect="1" noChangeArrowheads="1"/>
+          </p:cNvPicPr>
+          <p:nvPr/>
+        </p:nvPicPr>
+        <p:blipFill>
+          <a:blip r:embed="rId9">
+            <a:extLst>
+              <a:ext uri="{28A0092B-C50C-407E-A947-70E740481C1C}">
+                <a14:useLocalDpi xmlns:a14="http://schemas.microsoft.com/office/drawing/2010/main" val="0"/>
+              </a:ext>
+            </a:extLst>
+          </a:blip>
+          <a:srcRect/>
+          <a:stretch>
+            <a:fillRect/>
+          </a:stretch>
+        </p:blipFill>
+        <p:spPr bwMode="auto">
+          <a:xfrm>
+            <a:off x="88202" y="2881917"/>
+            <a:ext cx="219511" cy="292091"/>
+          </a:xfrm>
+          <a:prstGeom prst="rect">
+            <a:avLst/>
+          </a:prstGeom>
+          <a:noFill/>
+          <a:extLst>
+            <a:ext uri="{909E8E84-426E-40DD-AFC4-6F175D3DCCD1}">
+              <a14:hiddenFill xmlns:a14="http://schemas.microsoft.com/office/drawing/2010/main">
+                <a:solidFill>
+                  <a:srgbClr val="FFFFFF"/>
+                </a:solidFill>
+              </a14:hiddenFill>
+            </a:ext>
+          </a:extLst>
+        </p:spPr>
+      </p:pic>
+      <p:pic>
+        <p:nvPicPr>
+          <p:cNvPr id="8204" name="Picture 12" descr="http://static1.formtools.org/site/images/modules_icon.gif"/>
+          <p:cNvPicPr>
+            <a:picLocks noChangeAspect="1" noChangeArrowheads="1"/>
+          </p:cNvPicPr>
+          <p:nvPr/>
+        </p:nvPicPr>
+        <p:blipFill>
+          <a:blip r:embed="rId10">
+            <a:extLst>
+              <a:ext uri="{28A0092B-C50C-407E-A947-70E740481C1C}">
+                <a14:useLocalDpi xmlns:a14="http://schemas.microsoft.com/office/drawing/2010/main" val="0"/>
+              </a:ext>
+            </a:extLst>
+          </a:blip>
+          <a:srcRect/>
+          <a:stretch>
+            <a:fillRect/>
+          </a:stretch>
+        </p:blipFill>
+        <p:spPr bwMode="auto">
+          <a:xfrm>
+            <a:off x="217123" y="3220161"/>
+            <a:ext cx="286643" cy="286643"/>
+          </a:xfrm>
+          <a:prstGeom prst="rect">
+            <a:avLst/>
+          </a:prstGeom>
+          <a:noFill/>
+          <a:extLst>
+            <a:ext uri="{909E8E84-426E-40DD-AFC4-6F175D3DCCD1}">
+              <a14:hiddenFill xmlns:a14="http://schemas.microsoft.com/office/drawing/2010/main">
+                <a:solidFill>
+                  <a:srgbClr val="FFFFFF"/>
+                </a:solidFill>
+              </a14:hiddenFill>
+            </a:ext>
+          </a:extLst>
+        </p:spPr>
+      </p:pic>
+      <p:pic>
+        <p:nvPicPr>
+          <p:cNvPr id="8206" name="Picture 14" descr="http://xiostorage.com/wp-content/uploads/2015/10/test.png"/>
+          <p:cNvPicPr>
+            <a:picLocks noChangeAspect="1" noChangeArrowheads="1"/>
+          </p:cNvPicPr>
+          <p:nvPr/>
+        </p:nvPicPr>
+        <p:blipFill>
+          <a:blip r:embed="rId11">
+            <a:extLst>
+              <a:ext uri="{28A0092B-C50C-407E-A947-70E740481C1C}">
+                <a14:useLocalDpi xmlns:a14="http://schemas.microsoft.com/office/drawing/2010/main" val="0"/>
+              </a:ext>
+            </a:extLst>
+          </a:blip>
+          <a:srcRect/>
+          <a:stretch>
+            <a:fillRect/>
+          </a:stretch>
+        </p:blipFill>
+        <p:spPr bwMode="auto">
+          <a:xfrm>
+            <a:off x="51153" y="3470896"/>
+            <a:ext cx="288597" cy="253424"/>
+          </a:xfrm>
+          <a:prstGeom prst="rect">
+            <a:avLst/>
+          </a:prstGeom>
+          <a:noFill/>
+          <a:extLst>
+            <a:ext uri="{909E8E84-426E-40DD-AFC4-6F175D3DCCD1}">
+              <a14:hiddenFill xmlns:a14="http://schemas.microsoft.com/office/drawing/2010/main">
+                <a:solidFill>
+                  <a:srgbClr val="FFFFFF"/>
+                </a:solidFill>
+              </a14:hiddenFill>
+            </a:ext>
+          </a:extLst>
+        </p:spPr>
+      </p:pic>
+      <p:graphicFrame>
+        <p:nvGraphicFramePr>
+          <p:cNvPr id="15" name="Object 14"/>
+          <p:cNvGraphicFramePr>
+            <a:graphicFrameLocks noChangeAspect="1"/>
+          </p:cNvGraphicFramePr>
+          <p:nvPr>
+            <p:extLst>
+              <p:ext uri="{D42A27DB-BD31-4B8C-83A1-F6EECF244321}">
+                <p14:modId xmlns:p14="http://schemas.microsoft.com/office/powerpoint/2010/main" val="1211897045"/>
+              </p:ext>
+            </p:extLst>
+          </p:nvPr>
+        </p:nvGraphicFramePr>
+        <p:xfrm>
+          <a:off x="282253" y="3687550"/>
+          <a:ext cx="214083" cy="301872"/>
+        </p:xfrm>
+        <a:graphic>
+          <a:graphicData uri="http://schemas.openxmlformats.org/presentationml/2006/ole">
+            <mc:AlternateContent xmlns:mc="http://schemas.openxmlformats.org/markup-compatibility/2006">
+              <mc:Choice xmlns:v="urn:schemas-microsoft-com:vml" Requires="v">
+                <p:oleObj spid="_x0000_s8215" name="Image" r:id="rId12" imgW="1764720" imgH="2488680" progId="Photoshop.Image.7">
+                  <p:embed/>
+                </p:oleObj>
+              </mc:Choice>
+              <mc:Fallback>
+                <p:oleObj name="Image" r:id="rId12" imgW="1764720" imgH="2488680" progId="Photoshop.Image.7">
+                  <p:embed/>
+                  <p:pic>
+                    <p:nvPicPr>
+                      <p:cNvPr id="0" name=""/>
+                      <p:cNvPicPr/>
+                      <p:nvPr/>
+                    </p:nvPicPr>
+                    <p:blipFill>
+                      <a:blip r:embed="rId13"/>
+                      <a:stretch>
+                        <a:fillRect/>
+                      </a:stretch>
+                    </p:blipFill>
+                    <p:spPr>
+                      <a:xfrm>
+                        <a:off x="282253" y="3687550"/>
+                        <a:ext cx="214083" cy="301872"/>
+                      </a:xfrm>
+                      <a:prstGeom prst="rect">
+                        <a:avLst/>
+                      </a:prstGeom>
+                    </p:spPr>
+                  </p:pic>
+                </p:oleObj>
+              </mc:Fallback>
+            </mc:AlternateContent>
+          </a:graphicData>
+        </a:graphic>
+      </p:graphicFrame>
+      <p:pic>
+        <p:nvPicPr>
+          <p:cNvPr id="8208" name="Picture 16" descr="https://serpstat.com/files/img/98/1438674038.8305.jpg"/>
+          <p:cNvPicPr>
+            <a:picLocks noChangeAspect="1" noChangeArrowheads="1"/>
+          </p:cNvPicPr>
+          <p:nvPr/>
+        </p:nvPicPr>
+        <p:blipFill>
+          <a:blip r:embed="rId14">
+            <a:extLst>
+              <a:ext uri="{28A0092B-C50C-407E-A947-70E740481C1C}">
+                <a14:useLocalDpi xmlns:a14="http://schemas.microsoft.com/office/drawing/2010/main" val="0"/>
+              </a:ext>
+            </a:extLst>
+          </a:blip>
+          <a:srcRect/>
+          <a:stretch>
+            <a:fillRect/>
+          </a:stretch>
+        </p:blipFill>
+        <p:spPr bwMode="auto">
+          <a:xfrm>
+            <a:off x="51153" y="3995392"/>
+            <a:ext cx="333801" cy="243309"/>
+          </a:xfrm>
+          <a:prstGeom prst="rect">
+            <a:avLst/>
+          </a:prstGeom>
+          <a:noFill/>
+          <a:extLst>
+            <a:ext uri="{909E8E84-426E-40DD-AFC4-6F175D3DCCD1}">
+              <a14:hiddenFill xmlns:a14="http://schemas.microsoft.com/office/drawing/2010/main">
+                <a:solidFill>
+                  <a:srgbClr val="FFFFFF"/>
+                </a:solidFill>
+              </a14:hiddenFill>
+            </a:ext>
+          </a:extLst>
+        </p:spPr>
+      </p:pic>
+      <p:pic>
+        <p:nvPicPr>
+          <p:cNvPr id="8210" name="Picture 18" descr="https://d1avok0lzls2w.cloudfront.net/img_uploads/apis-for-marketers.png"/>
+          <p:cNvPicPr>
+            <a:picLocks noChangeAspect="1" noChangeArrowheads="1"/>
+          </p:cNvPicPr>
+          <p:nvPr/>
+        </p:nvPicPr>
+        <p:blipFill>
+          <a:blip r:embed="rId15">
+            <a:extLst>
+              <a:ext uri="{28A0092B-C50C-407E-A947-70E740481C1C}">
+                <a14:useLocalDpi xmlns:a14="http://schemas.microsoft.com/office/drawing/2010/main" val="0"/>
+              </a:ext>
+            </a:extLst>
+          </a:blip>
+          <a:srcRect/>
+          <a:stretch>
+            <a:fillRect/>
+          </a:stretch>
+        </p:blipFill>
+        <p:spPr bwMode="auto">
+          <a:xfrm>
+            <a:off x="117331" y="4272389"/>
+            <a:ext cx="578495" cy="202473"/>
+          </a:xfrm>
+          <a:prstGeom prst="rect">
+            <a:avLst/>
+          </a:prstGeom>
+          <a:noFill/>
+          <a:extLst>
+            <a:ext uri="{909E8E84-426E-40DD-AFC4-6F175D3DCCD1}">
+              <a14:hiddenFill xmlns:a14="http://schemas.microsoft.com/office/drawing/2010/main">
+                <a:solidFill>
+                  <a:srgbClr val="FFFFFF"/>
+                </a:solidFill>
+              </a14:hiddenFill>
+            </a:ext>
+          </a:extLst>
+        </p:spPr>
+      </p:pic>
+      <p:pic>
+        <p:nvPicPr>
+          <p:cNvPr id="8213" name="Picture 21" descr="http://www.equisys.com/solutions/img/solutions_broadcast_faxing2.jpg"/>
+          <p:cNvPicPr>
+            <a:picLocks noChangeAspect="1" noChangeArrowheads="1"/>
+          </p:cNvPicPr>
+          <p:nvPr/>
+        </p:nvPicPr>
+        <p:blipFill>
+          <a:blip r:embed="rId16">
+            <a:extLst>
+              <a:ext uri="{28A0092B-C50C-407E-A947-70E740481C1C}">
+                <a14:useLocalDpi xmlns:a14="http://schemas.microsoft.com/office/drawing/2010/main" val="0"/>
+              </a:ext>
+            </a:extLst>
+          </a:blip>
+          <a:srcRect/>
+          <a:stretch>
+            <a:fillRect/>
+          </a:stretch>
+        </p:blipFill>
+        <p:spPr bwMode="auto">
+          <a:xfrm>
+            <a:off x="300228" y="4517638"/>
+            <a:ext cx="212700" cy="250657"/>
+          </a:xfrm>
+          <a:prstGeom prst="rect">
+            <a:avLst/>
+          </a:prstGeom>
+          <a:noFill/>
+          <a:extLst>
+            <a:ext uri="{909E8E84-426E-40DD-AFC4-6F175D3DCCD1}">
+              <a14:hiddenFill xmlns:a14="http://schemas.microsoft.com/office/drawing/2010/main">
+                <a:solidFill>
+                  <a:srgbClr val="FFFFFF"/>
+                </a:solidFill>
+              </a14:hiddenFill>
+            </a:ext>
+          </a:extLst>
+        </p:spPr>
+      </p:pic>
+      <p:pic>
+        <p:nvPicPr>
+          <p:cNvPr id="19" name="Picture 7" descr="http://notreligious.typepad.com/.a/6a00e552e3404e883301348222cc8f970c-pi"/>
+          <p:cNvPicPr>
+            <a:picLocks noChangeAspect="1" noChangeArrowheads="1"/>
+          </p:cNvPicPr>
+          <p:nvPr/>
+        </p:nvPicPr>
+        <p:blipFill>
+          <a:blip r:embed="rId17">
+            <a:extLst>
+              <a:ext uri="{28A0092B-C50C-407E-A947-70E740481C1C}">
+                <a14:useLocalDpi xmlns:a14="http://schemas.microsoft.com/office/drawing/2010/main" val="0"/>
+              </a:ext>
+            </a:extLst>
+          </a:blip>
+          <a:srcRect/>
+          <a:stretch>
+            <a:fillRect/>
+          </a:stretch>
+        </p:blipFill>
+        <p:spPr bwMode="auto">
+          <a:xfrm>
+            <a:off x="43439" y="4765678"/>
+            <a:ext cx="251284" cy="256659"/>
+          </a:xfrm>
+          <a:prstGeom prst="rect">
+            <a:avLst/>
+          </a:prstGeom>
+          <a:noFill/>
+          <a:extLst>
+            <a:ext uri="{909E8E84-426E-40DD-AFC4-6F175D3DCCD1}">
+              <a14:hiddenFill xmlns:a14="http://schemas.microsoft.com/office/drawing/2010/main">
+                <a:solidFill>
+                  <a:srgbClr val="FFFFFF"/>
+                </a:solidFill>
+              </a14:hiddenFill>
+            </a:ext>
+          </a:extLst>
+        </p:spPr>
+      </p:pic>
+      <p:pic>
+        <p:nvPicPr>
+          <p:cNvPr id="20" name="Picture 19" descr="IMG_8511RFLXLR (1).jpg"/>
+          <p:cNvPicPr>
+            <a:picLocks noChangeAspect="1"/>
+          </p:cNvPicPr>
+          <p:nvPr/>
+        </p:nvPicPr>
+        <p:blipFill>
+          <a:blip r:embed="rId18"/>
+          <a:srcRect l="22951" t="19672" r="21311" b="21311"/>
+          <a:stretch>
+            <a:fillRect/>
+          </a:stretch>
+        </p:blipFill>
+        <p:spPr>
+          <a:xfrm>
+            <a:off x="46498" y="1187039"/>
+            <a:ext cx="373199" cy="258372"/>
+          </a:xfrm>
+          <a:prstGeom prst="rect">
+            <a:avLst/>
+          </a:prstGeom>
+        </p:spPr>
+      </p:pic>
+    </p:spTree>
+    <p:extLst>
+      <p:ext uri="{BB962C8B-B14F-4D97-AF65-F5344CB8AC3E}">
+        <p14:creationId xmlns:p14="http://schemas.microsoft.com/office/powerpoint/2010/main" val="822851455"/>
+      </p:ext>
+    </p:extLst>
+  </p:cSld>
+  <p:clrMapOvr>
+    <a:masterClrMapping/>
+  </p:clrMapOvr>
+  <p:transition advClick="0" advTm="15000">
+    <p:cut/>
+  </p:transition>
+  <p:timing>
+    <p:tnLst>
+      <p:par>
+        <p:cTn id="1" dur="indefinite" restart="never" nodeType="tmRoot"/>
+      </p:par>
+    </p:tnLst>
+  </p:timing>
+</p:sld>
+</file>
+
+<file path=ppt/slides/slide12.xml><?xml version="1.0" encoding="utf-8"?>
+<p:sld xmlns:a="http://schemas.openxmlformats.org/drawingml/2006/main" xmlns:r="http://schemas.openxmlformats.org/officeDocument/2006/relationships" xmlns:p="http://schemas.openxmlformats.org/presentationml/2006/main">
+  <p:cSld>
+    <p:spTree>
+      <p:nvGrpSpPr>
+        <p:cNvPr id="1" name=""/>
+        <p:cNvGrpSpPr/>
+        <p:nvPr/>
+      </p:nvGrpSpPr>
+      <p:grpSpPr>
+        <a:xfrm>
+          <a:off x="0" y="0"/>
+          <a:ext cx="0" cy="0"/>
+          <a:chOff x="0" y="0"/>
+          <a:chExt cx="0" cy="0"/>
+        </a:xfrm>
+      </p:grpSpPr>
+      <p:sp>
+        <p:nvSpPr>
           <p:cNvPr id="6" name="Subtitle 1"/>
           <p:cNvSpPr>
             <a:spLocks noGrp="1"/>
@@ -3746,14 +4698,14 @@
           </a:effectLst>
           <a:extLst>
             <a:ext uri="{909E8E84-426E-40dd-AFC4-6F175D3DCCD1}">
-              <a14:hiddenFill xmlns:a14="http://schemas.microsoft.com/office/drawing/2010/main" xmlns="">
+              <a14:hiddenFill xmlns="" xmlns:a14="http://schemas.microsoft.com/office/drawing/2010/main">
                 <a:solidFill>
                   <a:srgbClr val="FFFFFF"/>
                 </a:solidFill>
               </a14:hiddenFill>
             </a:ext>
             <a:ext uri="{91240B29-F687-4f45-9708-019B960494DF}">
-              <a14:hiddenLine xmlns:a14="http://schemas.microsoft.com/office/drawing/2010/main" xmlns="" w="9525">
+              <a14:hiddenLine xmlns="" xmlns:a14="http://schemas.microsoft.com/office/drawing/2010/main" w="9525">
                 <a:solidFill>
                   <a:srgbClr val="000000"/>
                 </a:solidFill>
@@ -3971,7 +4923,7 @@
               <a:pPr>
                 <a:defRPr/>
               </a:pPr>
-              <a:t>26.11.2015</a:t>
+              <a:t>02.12.2015</a:t>
             </a:fld>
             <a:endParaRPr lang="de-DE" dirty="0"/>
           </a:p>
@@ -4891,7 +5843,7 @@
               <a:pPr>
                 <a:defRPr/>
               </a:pPr>
-              <a:t>26.11.2015</a:t>
+              <a:t>02.12.2015</a:t>
             </a:fld>
             <a:endParaRPr lang="de-DE" dirty="0"/>
           </a:p>
@@ -6498,47 +7450,6 @@
           </p:txBody>
         </p:sp>
       </p:grpSp>
-      <p:pic>
-        <p:nvPicPr>
-          <p:cNvPr id="2054" name="Picture 6" descr="http://sr.photos3.fotosearch.com/bthumb/CSP/CSP571/k5718115.jpg"/>
-          <p:cNvPicPr>
-            <a:picLocks noChangeAspect="1" noChangeArrowheads="1"/>
-          </p:cNvPicPr>
-          <p:nvPr/>
-        </p:nvPicPr>
-        <p:blipFill>
-          <a:blip r:embed="rId5">
-            <a:extLst>
-              <a:ext uri="{28A0092B-C50C-407E-A947-70E740481C1C}">
-                <a14:useLocalDpi xmlns:a14="http://schemas.microsoft.com/office/drawing/2010/main" val="0"/>
-              </a:ext>
-            </a:extLst>
-          </a:blip>
-          <a:srcRect/>
-          <a:stretch>
-            <a:fillRect/>
-          </a:stretch>
-        </p:blipFill>
-        <p:spPr bwMode="auto">
-          <a:xfrm>
-            <a:off x="434505" y="5116125"/>
-            <a:ext cx="772418" cy="869610"/>
-          </a:xfrm>
-          <a:prstGeom prst="rect">
-            <a:avLst/>
-          </a:prstGeom>
-          <a:noFill/>
-          <a:extLst>
-            <a:ext uri="{909E8E84-426E-40DD-AFC4-6F175D3DCCD1}">
-              <a14:hiddenFill xmlns:a14="http://schemas.microsoft.com/office/drawing/2010/main">
-                <a:solidFill>
-                  <a:srgbClr val="FFFFFF"/>
-                </a:solidFill>
-              </a14:hiddenFill>
-            </a:ext>
-          </a:extLst>
-        </p:spPr>
-      </p:pic>
       <p:grpSp>
         <p:nvGrpSpPr>
           <p:cNvPr id="49" name="Group 48"/>
@@ -6849,7 +7760,48 @@
       </p:grpSp>
       <p:pic>
         <p:nvPicPr>
-          <p:cNvPr id="2064" name="Picture 16" descr="http://www.waypointcms.com/GalleryContent/Normal/user-management_3.jpg"/>
+          <p:cNvPr id="7170" name="Picture 2" descr="http://images.clipartpanda.com/headway-clipart-ABstract-People-Clip-Art.png"/>
+          <p:cNvPicPr>
+            <a:picLocks noChangeAspect="1" noChangeArrowheads="1"/>
+          </p:cNvPicPr>
+          <p:nvPr/>
+        </p:nvPicPr>
+        <p:blipFill>
+          <a:blip r:embed="rId5">
+            <a:extLst>
+              <a:ext uri="{28A0092B-C50C-407E-A947-70E740481C1C}">
+                <a14:useLocalDpi xmlns:a14="http://schemas.microsoft.com/office/drawing/2010/main" val="0"/>
+              </a:ext>
+            </a:extLst>
+          </a:blip>
+          <a:srcRect/>
+          <a:stretch>
+            <a:fillRect/>
+          </a:stretch>
+        </p:blipFill>
+        <p:spPr bwMode="auto">
+          <a:xfrm>
+            <a:off x="5580112" y="4003331"/>
+            <a:ext cx="799957" cy="799957"/>
+          </a:xfrm>
+          <a:prstGeom prst="rect">
+            <a:avLst/>
+          </a:prstGeom>
+          <a:noFill/>
+          <a:extLst>
+            <a:ext uri="{909E8E84-426E-40DD-AFC4-6F175D3DCCD1}">
+              <a14:hiddenFill xmlns:a14="http://schemas.microsoft.com/office/drawing/2010/main">
+                <a:solidFill>
+                  <a:srgbClr val="FFFFFF"/>
+                </a:solidFill>
+              </a14:hiddenFill>
+            </a:ext>
+          </a:extLst>
+        </p:spPr>
+      </p:pic>
+      <p:pic>
+        <p:nvPicPr>
+          <p:cNvPr id="7172" name="Picture 4" descr="http://images.clipartpanda.com/future-clipart-Life-Choices-Clip-Art.jpg"/>
           <p:cNvPicPr>
             <a:picLocks noChangeAspect="1" noChangeArrowheads="1"/>
           </p:cNvPicPr>
@@ -6870,8 +7822,8 @@
         </p:blipFill>
         <p:spPr bwMode="auto">
           <a:xfrm>
-            <a:off x="5792642" y="3970643"/>
-            <a:ext cx="844004" cy="665648"/>
+            <a:off x="452263" y="5268101"/>
+            <a:ext cx="921330" cy="735838"/>
           </a:xfrm>
           <a:prstGeom prst="rect">
             <a:avLst/>
@@ -6890,7 +7842,7 @@
       </p:pic>
       <p:pic>
         <p:nvPicPr>
-          <p:cNvPr id="2066" name="Picture 18" descr="http://websoptimization.com/external/images/mix/developer_icon.jpg"/>
+          <p:cNvPr id="7174" name="Picture 6" descr="Lan Party Pictogram clip art - Download free Other vectors"/>
           <p:cNvPicPr>
             <a:picLocks noChangeAspect="1" noChangeArrowheads="1"/>
           </p:cNvPicPr>
@@ -6911,8 +7863,8 @@
         </p:blipFill>
         <p:spPr bwMode="auto">
           <a:xfrm>
-            <a:off x="7164288" y="3974066"/>
-            <a:ext cx="868685" cy="868686"/>
+            <a:off x="7064664" y="4019460"/>
+            <a:ext cx="783828" cy="783828"/>
           </a:xfrm>
           <a:prstGeom prst="rect">
             <a:avLst/>
@@ -6991,14 +7943,14 @@
           </a:ln>
           <a:extLst>
             <a:ext uri="{909E8E84-426E-40dd-AFC4-6F175D3DCCD1}">
-              <a14:hiddenFill xmlns:a14="http://schemas.microsoft.com/office/drawing/2010/main" xmlns="">
+              <a14:hiddenFill xmlns="" xmlns:a14="http://schemas.microsoft.com/office/drawing/2010/main">
                 <a:solidFill>
                   <a:srgbClr val="FFFFFF"/>
                 </a:solidFill>
               </a14:hiddenFill>
             </a:ext>
             <a:ext uri="{91240B29-F687-4f45-9708-019B960494DF}">
-              <a14:hiddenLine xmlns:a14="http://schemas.microsoft.com/office/drawing/2010/main" xmlns="" w="9525">
+              <a14:hiddenLine xmlns="" xmlns:a14="http://schemas.microsoft.com/office/drawing/2010/main" w="9525">
                 <a:solidFill>
                   <a:srgbClr val="000000"/>
                 </a:solidFill>
@@ -7289,7 +8241,7 @@
               <a:pPr>
                 <a:defRPr/>
               </a:pPr>
-              <a:t>26/11/2015</a:t>
+              <a:t>02/12/2015</a:t>
             </a:fld>
             <a:endParaRPr lang="en-GB" dirty="0"/>
           </a:p>
@@ -7349,47 +8301,6 @@
           <a:xfrm>
             <a:off x="471400" y="3016780"/>
             <a:ext cx="2027783" cy="1267364"/>
-          </a:xfrm>
-          <a:prstGeom prst="rect">
-            <a:avLst/>
-          </a:prstGeom>
-          <a:noFill/>
-          <a:extLst>
-            <a:ext uri="{909E8E84-426E-40DD-AFC4-6F175D3DCCD1}">
-              <a14:hiddenFill xmlns:a14="http://schemas.microsoft.com/office/drawing/2010/main">
-                <a:solidFill>
-                  <a:srgbClr val="FFFFFF"/>
-                </a:solidFill>
-              </a14:hiddenFill>
-            </a:ext>
-          </a:extLst>
-        </p:spPr>
-      </p:pic>
-      <p:pic>
-        <p:nvPicPr>
-          <p:cNvPr id="1028" name="Picture 4" descr="https://cdn2.iconfinder.com/data/icons/classic-development-circle/512/system-512.png"/>
-          <p:cNvPicPr>
-            <a:picLocks noChangeAspect="1" noChangeArrowheads="1"/>
-          </p:cNvPicPr>
-          <p:nvPr/>
-        </p:nvPicPr>
-        <p:blipFill>
-          <a:blip r:embed="rId4">
-            <a:extLst>
-              <a:ext uri="{28A0092B-C50C-407E-A947-70E740481C1C}">
-                <a14:useLocalDpi xmlns:a14="http://schemas.microsoft.com/office/drawing/2010/main" val="0"/>
-              </a:ext>
-            </a:extLst>
-          </a:blip>
-          <a:srcRect/>
-          <a:stretch>
-            <a:fillRect/>
-          </a:stretch>
-        </p:blipFill>
-        <p:spPr bwMode="auto">
-          <a:xfrm>
-            <a:off x="4198054" y="3346007"/>
-            <a:ext cx="650844" cy="650844"/>
           </a:xfrm>
           <a:prstGeom prst="rect">
             <a:avLst/>
@@ -7534,7 +8445,7 @@
             <p:nvPr/>
           </p:nvPicPr>
           <p:blipFill>
-            <a:blip r:embed="rId5"/>
+            <a:blip r:embed="rId4"/>
             <a:stretch>
               <a:fillRect/>
             </a:stretch>
@@ -7558,7 +8469,7 @@
             <p:nvPr/>
           </p:nvPicPr>
           <p:blipFill>
-            <a:blip r:embed="rId6">
+            <a:blip r:embed="rId5">
               <a:extLst>
                 <a:ext uri="{28A0092B-C50C-407E-A947-70E740481C1C}">
                   <a14:useLocalDpi xmlns:a14="http://schemas.microsoft.com/office/drawing/2010/main" val="0"/>
@@ -7599,7 +8510,7 @@
             <p:nvPr/>
           </p:nvPicPr>
           <p:blipFill>
-            <a:blip r:embed="rId7">
+            <a:blip r:embed="rId6">
               <a:extLst>
                 <a:ext uri="{28A0092B-C50C-407E-A947-70E740481C1C}">
                   <a14:useLocalDpi xmlns:a14="http://schemas.microsoft.com/office/drawing/2010/main" val="0"/>
@@ -7634,142 +8545,6 @@
       </p:grpSp>
       <p:grpSp>
         <p:nvGrpSpPr>
-          <p:cNvPr id="18" name="Group 17"/>
-          <p:cNvGrpSpPr/>
-          <p:nvPr/>
-        </p:nvGrpSpPr>
-        <p:grpSpPr>
-          <a:xfrm>
-            <a:off x="6575673" y="2504844"/>
-            <a:ext cx="1725887" cy="792234"/>
-            <a:chOff x="3188024" y="2416216"/>
-            <a:chExt cx="1725887" cy="792234"/>
-          </a:xfrm>
-        </p:grpSpPr>
-        <p:grpSp>
-          <p:nvGrpSpPr>
-            <p:cNvPr id="14" name="Group 13"/>
-            <p:cNvGrpSpPr/>
-            <p:nvPr/>
-          </p:nvGrpSpPr>
-          <p:grpSpPr>
-            <a:xfrm>
-              <a:off x="4220322" y="2416216"/>
-              <a:ext cx="693589" cy="792234"/>
-              <a:chOff x="3330674" y="2924953"/>
-              <a:chExt cx="693589" cy="792234"/>
-            </a:xfrm>
-          </p:grpSpPr>
-          <p:pic>
-            <p:nvPicPr>
-              <p:cNvPr id="1030" name="Picture 6" descr="http://fc06.deviantart.net/fs46/i/2009/223/e/b/Dropbox_Icon_by_djjoelyd.jpg"/>
-              <p:cNvPicPr>
-                <a:picLocks noChangeAspect="1" noChangeArrowheads="1"/>
-              </p:cNvPicPr>
-              <p:nvPr/>
-            </p:nvPicPr>
-            <p:blipFill>
-              <a:blip r:embed="rId8">
-                <a:extLst>
-                  <a:ext uri="{28A0092B-C50C-407E-A947-70E740481C1C}">
-                    <a14:useLocalDpi xmlns:a14="http://schemas.microsoft.com/office/drawing/2010/main" val="0"/>
-                  </a:ext>
-                </a:extLst>
-              </a:blip>
-              <a:srcRect/>
-              <a:stretch>
-                <a:fillRect/>
-              </a:stretch>
-            </p:blipFill>
-            <p:spPr bwMode="auto">
-              <a:xfrm>
-                <a:off x="3330674" y="3023598"/>
-                <a:ext cx="693589" cy="693589"/>
-              </a:xfrm>
-              <a:prstGeom prst="rect">
-                <a:avLst/>
-              </a:prstGeom>
-              <a:noFill/>
-              <a:extLst>
-                <a:ext uri="{909E8E84-426E-40DD-AFC4-6F175D3DCCD1}">
-                  <a14:hiddenFill xmlns:a14="http://schemas.microsoft.com/office/drawing/2010/main">
-                    <a:solidFill>
-                      <a:srgbClr val="FFFFFF"/>
-                    </a:solidFill>
-                  </a14:hiddenFill>
-                </a:ext>
-              </a:extLst>
-            </p:spPr>
-          </p:pic>
-          <p:pic>
-            <p:nvPicPr>
-              <p:cNvPr id="13" name="Picture 12" descr="https://raw.githubusercontent.com/gmetais/YellowLabTools/master/doc/img/npm-logo.png"/>
-              <p:cNvPicPr>
-                <a:picLocks noChangeAspect="1" noChangeArrowheads="1"/>
-              </p:cNvPicPr>
-              <p:nvPr/>
-            </p:nvPicPr>
-            <p:blipFill>
-              <a:blip r:embed="rId7">
-                <a:extLst>
-                  <a:ext uri="{28A0092B-C50C-407E-A947-70E740481C1C}">
-                    <a14:useLocalDpi xmlns:a14="http://schemas.microsoft.com/office/drawing/2010/main" val="0"/>
-                  </a:ext>
-                </a:extLst>
-              </a:blip>
-              <a:srcRect/>
-              <a:stretch>
-                <a:fillRect/>
-              </a:stretch>
-            </p:blipFill>
-            <p:spPr bwMode="auto">
-              <a:xfrm>
-                <a:off x="3500395" y="2924953"/>
-                <a:ext cx="354146" cy="192015"/>
-              </a:xfrm>
-              <a:prstGeom prst="rect">
-                <a:avLst/>
-              </a:prstGeom>
-              <a:noFill/>
-              <a:extLst>
-                <a:ext uri="{909E8E84-426E-40DD-AFC4-6F175D3DCCD1}">
-                  <a14:hiddenFill xmlns:a14="http://schemas.microsoft.com/office/drawing/2010/main">
-                    <a:solidFill>
-                      <a:srgbClr val="FFFFFF"/>
-                    </a:solidFill>
-                  </a14:hiddenFill>
-                </a:ext>
-              </a:extLst>
-            </p:spPr>
-          </p:pic>
-        </p:grpSp>
-        <p:pic>
-          <p:nvPicPr>
-            <p:cNvPr id="15" name="Picture 14"/>
-            <p:cNvPicPr>
-              <a:picLocks noChangeAspect="1"/>
-            </p:cNvPicPr>
-            <p:nvPr/>
-          </p:nvPicPr>
-          <p:blipFill>
-            <a:blip r:embed="rId9"/>
-            <a:stretch>
-              <a:fillRect/>
-            </a:stretch>
-          </p:blipFill>
-          <p:spPr>
-            <a:xfrm>
-              <a:off x="3188024" y="2649290"/>
-              <a:ext cx="1023936" cy="347662"/>
-            </a:xfrm>
-            <a:prstGeom prst="rect">
-              <a:avLst/>
-            </a:prstGeom>
-          </p:spPr>
-        </p:pic>
-      </p:grpSp>
-      <p:grpSp>
-        <p:nvGrpSpPr>
           <p:cNvPr id="25" name="Group 24"/>
           <p:cNvGrpSpPr/>
           <p:nvPr/>
@@ -7791,7 +8566,7 @@
             <p:nvPr/>
           </p:nvPicPr>
           <p:blipFill>
-            <a:blip r:embed="rId10">
+            <a:blip r:embed="rId7">
               <a:extLst>
                 <a:ext uri="{28A0092B-C50C-407E-A947-70E740481C1C}">
                   <a14:useLocalDpi xmlns:a14="http://schemas.microsoft.com/office/drawing/2010/main" val="0"/>
@@ -7846,7 +8621,7 @@
               <p:nvPr/>
             </p:nvPicPr>
             <p:blipFill>
-              <a:blip r:embed="rId11">
+              <a:blip r:embed="rId8">
                 <a:extLst>
                   <a:ext uri="{28A0092B-C50C-407E-A947-70E740481C1C}">
                     <a14:useLocalDpi xmlns:a14="http://schemas.microsoft.com/office/drawing/2010/main" val="0"/>
@@ -7887,7 +8662,7 @@
               <p:nvPr/>
             </p:nvPicPr>
             <p:blipFill>
-              <a:blip r:embed="rId12">
+              <a:blip r:embed="rId9">
                 <a:extLst>
                   <a:ext uri="{28A0092B-C50C-407E-A947-70E740481C1C}">
                     <a14:useLocalDpi xmlns:a14="http://schemas.microsoft.com/office/drawing/2010/main" val="0"/>
@@ -7971,12 +8746,12 @@
               <a:graphicData uri="http://schemas.openxmlformats.org/presentationml/2006/ole">
                 <mc:AlternateContent xmlns:mc="http://schemas.openxmlformats.org/markup-compatibility/2006">
                   <mc:Choice xmlns:v="urn:schemas-microsoft-com:vml" Requires="v">
-                    <p:oleObj spid="_x0000_s1082" name="Image" r:id="rId13" imgW="1764720" imgH="2488680" progId="Photoshop.Image.7">
+                    <p:oleObj spid="_x0000_s1094" name="Image" r:id="rId10" imgW="1764720" imgH="2488680" progId="Photoshop.Image.7">
                       <p:embed/>
                     </p:oleObj>
                   </mc:Choice>
                   <mc:Fallback>
-                    <p:oleObj name="Image" r:id="rId13" imgW="1764720" imgH="2488680" progId="Photoshop.Image.7">
+                    <p:oleObj name="Image" r:id="rId10" imgW="1764720" imgH="2488680" progId="Photoshop.Image.7">
                       <p:embed/>
                       <p:pic>
                         <p:nvPicPr>
@@ -7985,7 +8760,7 @@
                           <p:nvPr/>
                         </p:nvPicPr>
                         <p:blipFill>
-                          <a:blip r:embed="rId14"/>
+                          <a:blip r:embed="rId11"/>
                           <a:stretch>
                             <a:fillRect/>
                           </a:stretch>
@@ -8015,7 +8790,7 @@
               <p:nvPr/>
             </p:nvPicPr>
             <p:blipFill>
-              <a:blip r:embed="rId15">
+              <a:blip r:embed="rId12">
                 <a:extLst>
                   <a:ext uri="{28A0092B-C50C-407E-A947-70E740481C1C}">
                     <a14:useLocalDpi xmlns:a14="http://schemas.microsoft.com/office/drawing/2010/main" val="0"/>
@@ -8057,7 +8832,7 @@
             <p:nvPr/>
           </p:nvPicPr>
           <p:blipFill>
-            <a:blip r:embed="rId16">
+            <a:blip r:embed="rId13">
               <a:extLst>
                 <a:ext uri="{28A0092B-C50C-407E-A947-70E740481C1C}">
                   <a14:useLocalDpi xmlns:a14="http://schemas.microsoft.com/office/drawing/2010/main" val="0"/>
@@ -8090,6 +8865,226 @@
           </p:spPr>
         </p:pic>
       </p:grpSp>
+      <p:grpSp>
+        <p:nvGrpSpPr>
+          <p:cNvPr id="7" name="Group 6"/>
+          <p:cNvGrpSpPr/>
+          <p:nvPr/>
+        </p:nvGrpSpPr>
+        <p:grpSpPr>
+          <a:xfrm>
+            <a:off x="6652498" y="2504844"/>
+            <a:ext cx="1548002" cy="642028"/>
+            <a:chOff x="6652498" y="2504844"/>
+            <a:chExt cx="1548002" cy="642028"/>
+          </a:xfrm>
+        </p:grpSpPr>
+        <p:grpSp>
+          <p:nvGrpSpPr>
+            <p:cNvPr id="3" name="Group 2"/>
+            <p:cNvGrpSpPr/>
+            <p:nvPr/>
+          </p:nvGrpSpPr>
+          <p:grpSpPr>
+            <a:xfrm>
+              <a:off x="7730253" y="2504844"/>
+              <a:ext cx="470247" cy="642028"/>
+              <a:chOff x="7730253" y="2504844"/>
+              <a:chExt cx="470247" cy="642028"/>
+            </a:xfrm>
+          </p:grpSpPr>
+          <p:pic>
+            <p:nvPicPr>
+              <p:cNvPr id="13" name="Picture 12" descr="https://raw.githubusercontent.com/gmetais/YellowLabTools/master/doc/img/npm-logo.png"/>
+              <p:cNvPicPr>
+                <a:picLocks noChangeAspect="1" noChangeArrowheads="1"/>
+              </p:cNvPicPr>
+              <p:nvPr/>
+            </p:nvPicPr>
+            <p:blipFill>
+              <a:blip r:embed="rId6">
+                <a:extLst>
+                  <a:ext uri="{28A0092B-C50C-407E-A947-70E740481C1C}">
+                    <a14:useLocalDpi xmlns:a14="http://schemas.microsoft.com/office/drawing/2010/main" val="0"/>
+                  </a:ext>
+                </a:extLst>
+              </a:blip>
+              <a:srcRect/>
+              <a:stretch>
+                <a:fillRect/>
+              </a:stretch>
+            </p:blipFill>
+            <p:spPr bwMode="auto">
+              <a:xfrm>
+                <a:off x="7777692" y="2504844"/>
+                <a:ext cx="354146" cy="192015"/>
+              </a:xfrm>
+              <a:prstGeom prst="rect">
+                <a:avLst/>
+              </a:prstGeom>
+              <a:noFill/>
+              <a:extLst>
+                <a:ext uri="{909E8E84-426E-40DD-AFC4-6F175D3DCCD1}">
+                  <a14:hiddenFill xmlns:a14="http://schemas.microsoft.com/office/drawing/2010/main">
+                    <a:solidFill>
+                      <a:srgbClr val="FFFFFF"/>
+                    </a:solidFill>
+                  </a14:hiddenFill>
+                </a:ext>
+              </a:extLst>
+            </p:spPr>
+          </p:pic>
+          <p:pic>
+            <p:nvPicPr>
+              <p:cNvPr id="1085" name="Picture 61" descr="https://encrypted-tbn0.gstatic.com/images?q=tbn:ANd9GcSuZaPsKPx3ZMyLMJvC2TJIAyahajsKsHHb3dlXQzd48-bKyKNVCg"/>
+              <p:cNvPicPr>
+                <a:picLocks noChangeAspect="1" noChangeArrowheads="1"/>
+              </p:cNvPicPr>
+              <p:nvPr/>
+            </p:nvPicPr>
+            <p:blipFill>
+              <a:blip r:embed="rId14">
+                <a:extLst>
+                  <a:ext uri="{28A0092B-C50C-407E-A947-70E740481C1C}">
+                    <a14:useLocalDpi xmlns:a14="http://schemas.microsoft.com/office/drawing/2010/main" val="0"/>
+                  </a:ext>
+                </a:extLst>
+              </a:blip>
+              <a:srcRect/>
+              <a:stretch>
+                <a:fillRect/>
+              </a:stretch>
+            </p:blipFill>
+            <p:spPr bwMode="auto">
+              <a:xfrm>
+                <a:off x="7730253" y="2676625"/>
+                <a:ext cx="470247" cy="470247"/>
+              </a:xfrm>
+              <a:prstGeom prst="rect">
+                <a:avLst/>
+              </a:prstGeom>
+              <a:noFill/>
+              <a:extLst>
+                <a:ext uri="{909E8E84-426E-40DD-AFC4-6F175D3DCCD1}">
+                  <a14:hiddenFill xmlns:a14="http://schemas.microsoft.com/office/drawing/2010/main">
+                    <a:solidFill>
+                      <a:srgbClr val="FFFFFF"/>
+                    </a:solidFill>
+                  </a14:hiddenFill>
+                </a:ext>
+              </a:extLst>
+            </p:spPr>
+          </p:pic>
+        </p:grpSp>
+        <p:sp>
+          <p:nvSpPr>
+            <p:cNvPr id="6" name="Rectangle 5"/>
+            <p:cNvSpPr/>
+            <p:nvPr/>
+          </p:nvSpPr>
+          <p:spPr>
+            <a:xfrm>
+              <a:off x="6652498" y="2712071"/>
+              <a:ext cx="1133644" cy="369332"/>
+            </a:xfrm>
+            <a:prstGeom prst="rect">
+              <a:avLst/>
+            </a:prstGeom>
+            <a:noFill/>
+          </p:spPr>
+          <p:txBody>
+            <a:bodyPr wrap="none" lIns="91440" tIns="45720" rIns="91440" bIns="45720">
+              <a:spAutoFit/>
+            </a:bodyPr>
+            <a:lstStyle/>
+            <a:p>
+              <a:pPr algn="ctr"/>
+              <a:r>
+                <a:rPr lang="en-US" sz="1800" b="1" cap="none" spc="0" dirty="0" smtClean="0">
+                  <a:ln w="9525">
+                    <a:solidFill>
+                      <a:schemeClr val="bg1"/>
+                    </a:solidFill>
+                    <a:prstDash val="solid"/>
+                  </a:ln>
+                  <a:solidFill>
+                    <a:srgbClr val="FF0000"/>
+                  </a:solidFill>
+                  <a:effectLst>
+                    <a:outerShdw blurRad="12700" dist="38100" dir="2700000" algn="tl" rotWithShape="0">
+                      <a:schemeClr val="accent5">
+                        <a:lumMod val="60000"/>
+                        <a:lumOff val="40000"/>
+                      </a:schemeClr>
+                    </a:outerShdw>
+                  </a:effectLst>
+                </a:rPr>
+                <a:t>Example</a:t>
+              </a:r>
+              <a:endParaRPr lang="en-US" sz="1800" b="1" cap="none" spc="0" dirty="0">
+                <a:ln w="9525">
+                  <a:solidFill>
+                    <a:schemeClr val="bg1"/>
+                  </a:solidFill>
+                  <a:prstDash val="solid"/>
+                </a:ln>
+                <a:solidFill>
+                  <a:srgbClr val="FF0000"/>
+                </a:solidFill>
+                <a:effectLst>
+                  <a:outerShdw blurRad="12700" dist="38100" dir="2700000" algn="tl" rotWithShape="0">
+                    <a:schemeClr val="accent5">
+                      <a:lumMod val="60000"/>
+                      <a:lumOff val="40000"/>
+                    </a:schemeClr>
+                  </a:outerShdw>
+                </a:effectLst>
+              </a:endParaRPr>
+            </a:p>
+          </p:txBody>
+        </p:sp>
+      </p:grpSp>
+      <p:pic>
+        <p:nvPicPr>
+          <p:cNvPr id="1088" name="Picture 64" descr="https://fpimage.cdnpk.net/free-icon/settings-gears_318-76225.png"/>
+          <p:cNvPicPr>
+            <a:picLocks noChangeAspect="1" noChangeArrowheads="1"/>
+          </p:cNvPicPr>
+          <p:nvPr/>
+        </p:nvPicPr>
+        <p:blipFill>
+          <a:blip r:embed="rId15">
+            <a:extLst>
+              <a:ext uri="{28A0092B-C50C-407E-A947-70E740481C1C}">
+                <a14:useLocalDpi xmlns:a14="http://schemas.microsoft.com/office/drawing/2010/main" val="0"/>
+              </a:ext>
+            </a:extLst>
+          </a:blip>
+          <a:srcRect/>
+          <a:stretch>
+            <a:fillRect/>
+          </a:stretch>
+        </p:blipFill>
+        <p:spPr bwMode="auto">
+          <a:xfrm>
+            <a:off x="4222477" y="3402578"/>
+            <a:ext cx="661053" cy="661054"/>
+          </a:xfrm>
+          <a:prstGeom prst="rect">
+            <a:avLst/>
+          </a:prstGeom>
+          <a:noFill/>
+          <a:extLst>
+            <a:ext uri="{909E8E84-426E-40DD-AFC4-6F175D3DCCD1}">
+              <a14:hiddenFill xmlns:a14="http://schemas.microsoft.com/office/drawing/2010/main">
+                <a:solidFill>
+                  <a:srgbClr val="FFFFFF"/>
+                </a:solidFill>
+              </a14:hiddenFill>
+            </a:ext>
+          </a:extLst>
+        </p:spPr>
+      </p:pic>
     </p:spTree>
     <p:extLst>
       <p:ext uri="{BB962C8B-B14F-4D97-AF65-F5344CB8AC3E}">
@@ -8176,7 +9171,7 @@
               <a:pPr>
                 <a:defRPr/>
               </a:pPr>
-              <a:t>26.11.2015</a:t>
+              <a:t>02.12.2015</a:t>
             </a:fld>
             <a:endParaRPr lang="de-DE" dirty="0"/>
           </a:p>
@@ -8970,7 +9965,7 @@
               <a:pPr>
                 <a:defRPr/>
               </a:pPr>
-              <a:t>26.11.2015</a:t>
+              <a:t>02.12.2015</a:t>
             </a:fld>
             <a:endParaRPr lang="de-DE" dirty="0"/>
           </a:p>
@@ -9621,35 +10616,35 @@
       </p:pic>
       <p:grpSp>
         <p:nvGrpSpPr>
-          <p:cNvPr id="35" name="Group 34"/>
+          <p:cNvPr id="34" name="Group 33"/>
           <p:cNvGrpSpPr/>
           <p:nvPr/>
         </p:nvGrpSpPr>
         <p:grpSpPr>
           <a:xfrm>
-            <a:off x="6792503" y="584538"/>
-            <a:ext cx="1725887" cy="792234"/>
-            <a:chOff x="3188024" y="2416216"/>
-            <a:chExt cx="1725887" cy="792234"/>
+            <a:off x="7351908" y="135717"/>
+            <a:ext cx="1548002" cy="642028"/>
+            <a:chOff x="6652498" y="2504844"/>
+            <a:chExt cx="1548002" cy="642028"/>
           </a:xfrm>
         </p:grpSpPr>
         <p:grpSp>
           <p:nvGrpSpPr>
-            <p:cNvPr id="36" name="Group 35"/>
+            <p:cNvPr id="40" name="Group 39"/>
             <p:cNvGrpSpPr/>
             <p:nvPr/>
           </p:nvGrpSpPr>
           <p:grpSpPr>
             <a:xfrm>
-              <a:off x="4220322" y="2416216"/>
-              <a:ext cx="693589" cy="792234"/>
-              <a:chOff x="3330674" y="2924953"/>
-              <a:chExt cx="693589" cy="792234"/>
+              <a:off x="7730253" y="2504844"/>
+              <a:ext cx="470247" cy="642028"/>
+              <a:chOff x="7730253" y="2504844"/>
+              <a:chExt cx="470247" cy="642028"/>
             </a:xfrm>
           </p:grpSpPr>
           <p:pic>
             <p:nvPicPr>
-              <p:cNvPr id="38" name="Picture 6" descr="http://fc06.deviantart.net/fs46/i/2009/223/e/b/Dropbox_Icon_by_djjoelyd.jpg"/>
+              <p:cNvPr id="42" name="Picture 41" descr="https://raw.githubusercontent.com/gmetais/YellowLabTools/master/doc/img/npm-logo.png"/>
               <p:cNvPicPr>
                 <a:picLocks noChangeAspect="1" noChangeArrowheads="1"/>
               </p:cNvPicPr>
@@ -9670,8 +10665,8 @@
             </p:blipFill>
             <p:spPr bwMode="auto">
               <a:xfrm>
-                <a:off x="3330674" y="3023598"/>
-                <a:ext cx="693589" cy="693589"/>
+                <a:off x="7777692" y="2504844"/>
+                <a:ext cx="354146" cy="192015"/>
               </a:xfrm>
               <a:prstGeom prst="rect">
                 <a:avLst/>
@@ -9690,7 +10685,7 @@
           </p:pic>
           <p:pic>
             <p:nvPicPr>
-              <p:cNvPr id="39" name="Picture 38" descr="https://raw.githubusercontent.com/gmetais/YellowLabTools/master/doc/img/npm-logo.png"/>
+              <p:cNvPr id="43" name="Picture 61" descr="https://encrypted-tbn0.gstatic.com/images?q=tbn:ANd9GcSuZaPsKPx3ZMyLMJvC2TJIAyahajsKsHHb3dlXQzd48-bKyKNVCg"/>
               <p:cNvPicPr>
                 <a:picLocks noChangeAspect="1" noChangeArrowheads="1"/>
               </p:cNvPicPr>
@@ -9711,8 +10706,8 @@
             </p:blipFill>
             <p:spPr bwMode="auto">
               <a:xfrm>
-                <a:off x="3500395" y="2924953"/>
-                <a:ext cx="354146" cy="192015"/>
+                <a:off x="7730253" y="2676625"/>
+                <a:ext cx="470247" cy="470247"/>
               </a:xfrm>
               <a:prstGeom prst="rect">
                 <a:avLst/>
@@ -9730,30 +10725,73 @@
             </p:spPr>
           </p:pic>
         </p:grpSp>
-        <p:pic>
-          <p:nvPicPr>
-            <p:cNvPr id="37" name="Picture 36"/>
-            <p:cNvPicPr>
-              <a:picLocks noChangeAspect="1"/>
-            </p:cNvPicPr>
+        <p:sp>
+          <p:nvSpPr>
+            <p:cNvPr id="41" name="Rectangle 40"/>
+            <p:cNvSpPr/>
             <p:nvPr/>
-          </p:nvPicPr>
-          <p:blipFill>
-            <a:blip r:embed="rId6"/>
-            <a:stretch>
-              <a:fillRect/>
-            </a:stretch>
-          </p:blipFill>
+          </p:nvSpPr>
           <p:spPr>
             <a:xfrm>
-              <a:off x="3188024" y="2649290"/>
-              <a:ext cx="1023936" cy="347662"/>
+              <a:off x="6652498" y="2712071"/>
+              <a:ext cx="1133644" cy="369332"/>
             </a:xfrm>
             <a:prstGeom prst="rect">
               <a:avLst/>
             </a:prstGeom>
+            <a:noFill/>
           </p:spPr>
-        </p:pic>
+          <p:txBody>
+            <a:bodyPr wrap="none" lIns="91440" tIns="45720" rIns="91440" bIns="45720">
+              <a:spAutoFit/>
+            </a:bodyPr>
+            <a:lstStyle/>
+            <a:p>
+              <a:pPr algn="ctr"/>
+              <a:r>
+                <a:rPr lang="en-US" sz="1800" b="1" cap="none" spc="0" dirty="0" smtClean="0">
+                  <a:ln w="9525">
+                    <a:solidFill>
+                      <a:schemeClr val="bg1"/>
+                    </a:solidFill>
+                    <a:prstDash val="solid"/>
+                  </a:ln>
+                  <a:solidFill>
+                    <a:srgbClr val="FF0000"/>
+                  </a:solidFill>
+                  <a:effectLst>
+                    <a:outerShdw blurRad="12700" dist="38100" dir="2700000" algn="tl" rotWithShape="0">
+                      <a:schemeClr val="accent5">
+                        <a:lumMod val="60000"/>
+                        <a:lumOff val="40000"/>
+                      </a:schemeClr>
+                    </a:outerShdw>
+                  </a:effectLst>
+                </a:rPr>
+                <a:t>Example</a:t>
+              </a:r>
+              <a:endParaRPr lang="en-US" sz="1800" b="1" cap="none" spc="0" dirty="0">
+                <a:ln w="9525">
+                  <a:solidFill>
+                    <a:schemeClr val="bg1"/>
+                  </a:solidFill>
+                  <a:prstDash val="solid"/>
+                </a:ln>
+                <a:solidFill>
+                  <a:srgbClr val="FF0000"/>
+                </a:solidFill>
+                <a:effectLst>
+                  <a:outerShdw blurRad="12700" dist="38100" dir="2700000" algn="tl" rotWithShape="0">
+                    <a:schemeClr val="accent5">
+                      <a:lumMod val="60000"/>
+                      <a:lumOff val="40000"/>
+                    </a:schemeClr>
+                  </a:outerShdw>
+                </a:effectLst>
+              </a:endParaRPr>
+            </a:p>
+          </p:txBody>
+        </p:sp>
       </p:grpSp>
     </p:spTree>
   </p:cSld>
@@ -9942,7 +10980,7 @@
               <a:pPr>
                 <a:defRPr/>
               </a:pPr>
-              <a:t>26/11/2015</a:t>
+              <a:t>02/12/2015</a:t>
             </a:fld>
             <a:endParaRPr lang="en-GB" dirty="0"/>
           </a:p>
@@ -9987,8 +11025,8 @@
           <a:xfrm>
             <a:off x="1244680" y="2264760"/>
             <a:ext cx="2048123" cy="1417952"/>
-            <a:chOff x="2699792" y="3717032"/>
-            <a:chExt cx="3672408" cy="2592288"/>
+            <a:chOff x="2699792" y="3717031"/>
+            <a:chExt cx="3672410" cy="2592288"/>
           </a:xfrm>
         </p:grpSpPr>
         <p:pic>
@@ -10008,8 +11046,8 @@
           </p:blipFill>
           <p:spPr>
             <a:xfrm>
-              <a:off x="2699792" y="3717032"/>
-              <a:ext cx="3672408" cy="2592288"/>
+              <a:off x="2699792" y="3717031"/>
+              <a:ext cx="3672410" cy="2592288"/>
             </a:xfrm>
             <a:prstGeom prst="rect">
               <a:avLst/>
@@ -10024,8 +11062,8 @@
           </p:nvSpPr>
           <p:spPr>
             <a:xfrm>
-              <a:off x="3574646" y="3943814"/>
-              <a:ext cx="1800200" cy="2160240"/>
+              <a:off x="3574646" y="3943813"/>
+              <a:ext cx="1800201" cy="2160241"/>
             </a:xfrm>
             <a:prstGeom prst="rect">
               <a:avLst/>
@@ -10083,7 +11121,7 @@
           <p:spPr>
             <a:xfrm>
               <a:off x="3585404" y="4178056"/>
-              <a:ext cx="1728192" cy="1713247"/>
+              <a:ext cx="1728193" cy="1713248"/>
             </a:xfrm>
             <a:prstGeom prst="rect">
               <a:avLst/>
@@ -11076,7 +12114,7 @@
           <a:graphicData uri="http://schemas.openxmlformats.org/presentationml/2006/ole">
             <mc:AlternateContent xmlns:mc="http://schemas.openxmlformats.org/markup-compatibility/2006">
               <mc:Choice xmlns:v="urn:schemas-microsoft-com:vml" Requires="v">
-                <p:oleObj spid="_x0000_s3095" name="Image" r:id="rId8" imgW="7619040" imgH="2666520" progId="Photoshop.Image.7">
+                <p:oleObj spid="_x0000_s3104" name="Image" r:id="rId8" imgW="7619040" imgH="2666520" progId="Photoshop.Image.7">
                   <p:embed/>
                 </p:oleObj>
               </mc:Choice>
@@ -11113,7 +12151,7 @@
       </p:graphicFrame>
       <p:pic>
         <p:nvPicPr>
-          <p:cNvPr id="46" name="Picture 4" descr="https://cdn2.iconfinder.com/data/icons/classic-development-circle/512/system-512.png"/>
+          <p:cNvPr id="3098" name="Picture 26" descr="https://fpimage.cdnpk.net/free-icon/settings-gears_318-76225.png"/>
           <p:cNvPicPr>
             <a:picLocks noChangeAspect="1" noChangeArrowheads="1"/>
           </p:cNvPicPr>
@@ -11134,8 +12172,8 @@
         </p:blipFill>
         <p:spPr bwMode="auto">
           <a:xfrm>
-            <a:off x="7956376" y="473900"/>
-            <a:ext cx="650844" cy="650844"/>
+            <a:off x="8076336" y="191997"/>
+            <a:ext cx="684633" cy="684634"/>
           </a:xfrm>
           <a:prstGeom prst="rect">
             <a:avLst/>
@@ -11238,7 +12276,7 @@
               <a:pPr>
                 <a:defRPr/>
               </a:pPr>
-              <a:t>26.11.2015</a:t>
+              <a:t>02.12.2015</a:t>
             </a:fld>
             <a:endParaRPr lang="de-DE" dirty="0"/>
           </a:p>
@@ -12154,7 +13192,7 @@
               <a:pPr>
                 <a:defRPr/>
               </a:pPr>
-              <a:t>26.11.2015</a:t>
+              <a:t>02.12.2015</a:t>
             </a:fld>
             <a:endParaRPr lang="de-DE" dirty="0"/>
           </a:p>
@@ -12827,7 +13865,7 @@
           <a:graphicData uri="http://schemas.openxmlformats.org/presentationml/2006/ole">
             <mc:AlternateContent xmlns:mc="http://schemas.openxmlformats.org/markup-compatibility/2006">
               <mc:Choice xmlns:v="urn:schemas-microsoft-com:vml" Requires="v">
-                <p:oleObj spid="_x0000_s6185" name="Image" r:id="rId6" imgW="7098120" imgH="4507920" progId="Photoshop.Image.7">
+                <p:oleObj spid="_x0000_s6199" name="Image" r:id="rId6" imgW="7098120" imgH="4507920" progId="Photoshop.Image.7">
                   <p:embed/>
                 </p:oleObj>
               </mc:Choice>
@@ -13117,7 +14155,7 @@
               <a:graphicData uri="http://schemas.openxmlformats.org/presentationml/2006/ole">
                 <mc:AlternateContent xmlns:mc="http://schemas.openxmlformats.org/markup-compatibility/2006">
                   <mc:Choice xmlns:v="urn:schemas-microsoft-com:vml" Requires="v">
-                    <p:oleObj spid="_x0000_s6186" name="Image" r:id="rId13" imgW="1764720" imgH="2488680" progId="Photoshop.Image.7">
+                    <p:oleObj spid="_x0000_s6200" name="Image" r:id="rId13" imgW="1764720" imgH="2488680" progId="Photoshop.Image.7">
                       <p:embed/>
                     </p:oleObj>
                   </mc:Choice>
